--- a/Group2_Final_Presentation.pptx
+++ b/Group2_Final_Presentation.pptx
@@ -6635,7 +6635,7 @@
         <p:spPr>
           <a:xfrm>
             <a:off x="355998" y="1045337"/>
-            <a:ext cx="11836002" cy="5632311"/>
+            <a:ext cx="11836002" cy="6124754"/>
           </a:xfrm>
           <a:prstGeom prst="rect">
             <a:avLst/>
@@ -6783,11 +6783,19 @@
               <a:buChar char="•"/>
             </a:pPr>
             <a:r>
-              <a:rPr lang="en-US" altLang="zh-TW" sz="3200">
+              <a:rPr lang="en-US" altLang="zh-TW" sz="3200" dirty="0">
                 <a:latin typeface="Times" panose="02020603050405020304" pitchFamily="18" charset="0"/>
                 <a:cs typeface="Times" panose="02020603050405020304" pitchFamily="18" charset="0"/>
               </a:rPr>
               <a:t>GitHub: </a:t>
+            </a:r>
+            <a:r>
+              <a:rPr lang="en-US" altLang="zh-TW" sz="3200" dirty="0">
+                <a:latin typeface="Times" panose="02020603050405020304" pitchFamily="18" charset="0"/>
+                <a:cs typeface="Times" panose="02020603050405020304" pitchFamily="18" charset="0"/>
+                <a:hlinkClick r:id="rId2"/>
+              </a:rPr>
+              <a:t>https://github.com/jieyunma/</a:t>
             </a:r>
             <a:r>
               <a:rPr lang="en-US" altLang="zh-TW" sz="3200">
@@ -6795,8 +6803,14 @@
                 <a:cs typeface="Times" panose="02020603050405020304" pitchFamily="18" charset="0"/>
                 <a:hlinkClick r:id="rId2"/>
               </a:rPr>
-              <a:t>https://github.com/jieyunma/AAHLS_FinalProject</a:t>
-            </a:r>
+              <a:t>AAHLS_final.git</a:t>
+            </a:r>
+            <a:endParaRPr lang="en-US" altLang="zh-TW" sz="3200">
+              <a:latin typeface="Times" panose="02020603050405020304" pitchFamily="18" charset="0"/>
+              <a:cs typeface="Times" panose="02020603050405020304" pitchFamily="18" charset="0"/>
+            </a:endParaRPr>
+          </a:p>
+          <a:p>
             <a:endParaRPr lang="en-US" altLang="zh-TW" sz="3200" dirty="0">
               <a:latin typeface="Times" panose="02020603050405020304" pitchFamily="18" charset="0"/>
               <a:cs typeface="Times" panose="02020603050405020304" pitchFamily="18" charset="0"/>
